--- a/поиск_похожих_фото.pptx
+++ b/поиск_похожих_фото.pptx
@@ -5487,7 +5487,7 @@
             </a:pPr>
             <a:r>
               <a:rPr lang="en" sz="1800" b="1"/>
-              <a:t>Коммерчиские реализации:</a:t>
+              <a:t>Коммерческие реализации:</a:t>
             </a:r>
             <a:endParaRPr sz="1200"/>
           </a:p>
@@ -5631,7 +5631,7 @@
             </a:pPr>
             <a:r>
               <a:rPr lang="en" sz="2000" b="1"/>
-              <a:t>Теоритические:</a:t>
+              <a:t>Теоретические:</a:t>
             </a:r>
             <a:endParaRPr sz="2000"/>
           </a:p>
@@ -5678,7 +5678,7 @@
                 <a:ea typeface="Muli Light"/>
                 <a:cs typeface="Muli Light"/>
               </a:rPr>
-              <a:t>интерпретируемый </a:t>
+              <a:t>интерпретируемой </a:t>
             </a:r>
             <a:r>
               <a:rPr sz="1600"/>
@@ -5989,7 +5989,7 @@
                 <a:ea typeface="Muli Light"/>
                 <a:cs typeface="Muli Light"/>
               </a:rPr>
-              <a:t>Качество ниже чем у коммерческих пректов</a:t>
+              <a:t>Качество ниже чем у коммерческих проектов</a:t>
             </a:r>
             <a:endParaRPr lang="en" sz="1600" b="1"/>
           </a:p>
@@ -7157,7 +7157,7 @@
                 <a:ea typeface="Muli Light"/>
                 <a:cs typeface="Muli Light"/>
               </a:rPr>
-              <a:t>Например количество точек можно взять как квадратный корень из суммы разрешений изображения. </a:t>
+              <a:t>Например количество точек можно взять как квадратный корень из суммы разрешения изображения. </a:t>
             </a:r>
             <a:endParaRPr sz="2200" b="0" i="0" u="none" strike="noStrike" cap="none" spc="0">
               <a:solidFill>
@@ -7330,7 +7330,7 @@
                 <a:ea typeface="Muli Light"/>
                 <a:cs typeface="Muli Light"/>
               </a:rPr>
-              <a:t>  Берем только области, не смежные с краями изображения, и считаем разность. Размер матрицы снова уменьшается. </a:t>
+              <a:t>  Берем только области, не смежные с краями изображения, и считаем их разность между собой. Размер матрицы снова уменьшается. </a:t>
             </a:r>
             <a:endParaRPr sz="2200" b="0" i="0" u="none" strike="noStrike" cap="none" spc="0">
               <a:solidFill>
@@ -8104,7 +8104,7 @@
               <a:defRPr/>
             </a:pPr>
             <a:r>
-              <a:rPr sz="2000" u="sng">
+              <a:rPr sz="1400" u="sng">
                 <a:solidFill>
                   <a:schemeClr val="bg1"/>
                 </a:solidFill>
@@ -8112,7 +8112,7 @@
               </a:rPr>
               <a:t>https://github.com/nikit34/Etsy_analys_MY_ALGORITHM_DETECT_DIFFERENCE_IMG</a:t>
             </a:r>
-            <a:endParaRPr sz="2200">
+            <a:endParaRPr sz="1400">
               <a:solidFill>
                 <a:schemeClr val="bg1"/>
               </a:solidFill>
